--- a/chapter-03/03-monitor/03_03_monitor.pptx
+++ b/chapter-03/03-monitor/03_03_monitor.pptx
@@ -17,11 +17,12 @@
     <p:sldMasterId id="2147483674" r:id="rId13"/>
   </p:sldMasterIdLst>
   <p:notesMasterIdLst>
-    <p:notesMasterId r:id="rId16"/>
+    <p:notesMasterId r:id="rId17"/>
   </p:notesMasterIdLst>
   <p:sldIdLst>
     <p:sldId id="259" r:id="rId14"/>
     <p:sldId id="263" r:id="rId15"/>
+    <p:sldId id="264" r:id="rId16"/>
   </p:sldIdLst>
   <p:sldSz cx="12192000" cy="6858000"/>
   <p:notesSz cx="9144000" cy="6858000"/>
@@ -258,7 +259,7 @@
           <a:p>
             <a:fld id="{7C2A2C10-8C9F-9B42-9862-A5B84F1CAB8B}" type="datetimeFigureOut">
               <a:rPr lang="en-US" smtClean="0"/>
-              <a:t>4/14/2023</a:t>
+              <a:t>4/15/2023</a:t>
             </a:fld>
             <a:endParaRPr lang="en-US"/>
           </a:p>
@@ -15204,7 +15205,7 @@
           <a:p>
             <a:r>
               <a:rPr lang="en-US" dirty="0"/>
-              <a:t>Monitor applications</a:t>
+              <a:t>Monitor and debug applications</a:t>
             </a:r>
           </a:p>
         </p:txBody>
@@ -15343,12 +15344,14 @@
         </p:nvSpPr>
         <p:spPr/>
         <p:txBody>
-          <a:bodyPr/>
+          <a:bodyPr>
+            <a:normAutofit/>
+          </a:bodyPr>
           <a:lstStyle/>
           <a:p>
             <a:r>
               <a:rPr lang="en-US" dirty="0"/>
-              <a:t>Tools to monitor applications</a:t>
+              <a:t>Monitor and debug applications</a:t>
             </a:r>
           </a:p>
         </p:txBody>
@@ -15410,6 +15413,16 @@
             </a:r>
             <a:r>
               <a:rPr lang="en-US" dirty="0"/>
+              <a:t> exec</a:t>
+            </a:r>
+          </a:p>
+          <a:p>
+            <a:r>
+              <a:rPr lang="en-US" dirty="0" err="1"/>
+              <a:t>kubectl</a:t>
+            </a:r>
+            <a:r>
+              <a:rPr lang="en-US" dirty="0"/>
               <a:t> describe</a:t>
             </a:r>
           </a:p>
@@ -15425,283 +15438,105 @@
   <p:clrMapOvr>
     <a:masterClrMapping/>
   </p:clrMapOvr>
-  <p:timing>
-    <p:tnLst>
-      <p:par>
-        <p:cTn id="1" dur="indefinite" restart="never" nodeType="tmRoot">
-          <p:childTnLst>
-            <p:seq concurrent="1" nextAc="seek">
-              <p:cTn id="2" dur="indefinite" nodeType="mainSeq">
-                <p:childTnLst>
-                  <p:par>
-                    <p:cTn id="3" fill="hold">
-                      <p:stCondLst>
-                        <p:cond delay="indefinite"/>
-                      </p:stCondLst>
-                      <p:childTnLst>
-                        <p:par>
-                          <p:cTn id="4" fill="hold">
-                            <p:stCondLst>
-                              <p:cond delay="0"/>
-                            </p:stCondLst>
-                            <p:childTnLst>
-                              <p:par>
-                                <p:cTn id="5" presetID="10" presetClass="entr" presetSubtype="0" fill="hold" grpId="0" nodeType="clickEffect">
-                                  <p:stCondLst>
-                                    <p:cond delay="0"/>
-                                  </p:stCondLst>
-                                  <p:childTnLst>
-                                    <p:set>
-                                      <p:cBhvr>
-                                        <p:cTn id="6" dur="1" fill="hold">
-                                          <p:stCondLst>
-                                            <p:cond delay="0"/>
-                                          </p:stCondLst>
-                                        </p:cTn>
-                                        <p:tgtEl>
-                                          <p:spTgt spid="5">
-                                            <p:txEl>
-                                              <p:pRg st="0" end="0"/>
-                                            </p:txEl>
-                                          </p:spTgt>
-                                        </p:tgtEl>
-                                        <p:attrNameLst>
-                                          <p:attrName>style.visibility</p:attrName>
-                                        </p:attrNameLst>
-                                      </p:cBhvr>
-                                      <p:to>
-                                        <p:strVal val="visible"/>
-                                      </p:to>
-                                    </p:set>
-                                    <p:animEffect transition="in" filter="fade">
-                                      <p:cBhvr>
-                                        <p:cTn id="7" dur="500"/>
-                                        <p:tgtEl>
-                                          <p:spTgt spid="5">
-                                            <p:txEl>
-                                              <p:pRg st="0" end="0"/>
-                                            </p:txEl>
-                                          </p:spTgt>
-                                        </p:tgtEl>
-                                      </p:cBhvr>
-                                    </p:animEffect>
-                                  </p:childTnLst>
-                                </p:cTn>
-                              </p:par>
-                            </p:childTnLst>
-                          </p:cTn>
-                        </p:par>
-                      </p:childTnLst>
-                    </p:cTn>
-                  </p:par>
-                  <p:par>
-                    <p:cTn id="8" fill="hold">
-                      <p:stCondLst>
-                        <p:cond delay="indefinite"/>
-                      </p:stCondLst>
-                      <p:childTnLst>
-                        <p:par>
-                          <p:cTn id="9" fill="hold">
-                            <p:stCondLst>
-                              <p:cond delay="0"/>
-                            </p:stCondLst>
-                            <p:childTnLst>
-                              <p:par>
-                                <p:cTn id="10" presetID="10" presetClass="entr" presetSubtype="0" fill="hold" grpId="0" nodeType="clickEffect">
-                                  <p:stCondLst>
-                                    <p:cond delay="0"/>
-                                  </p:stCondLst>
-                                  <p:childTnLst>
-                                    <p:set>
-                                      <p:cBhvr>
-                                        <p:cTn id="11" dur="1" fill="hold">
-                                          <p:stCondLst>
-                                            <p:cond delay="0"/>
-                                          </p:stCondLst>
-                                        </p:cTn>
-                                        <p:tgtEl>
-                                          <p:spTgt spid="5">
-                                            <p:txEl>
-                                              <p:pRg st="1" end="1"/>
-                                            </p:txEl>
-                                          </p:spTgt>
-                                        </p:tgtEl>
-                                        <p:attrNameLst>
-                                          <p:attrName>style.visibility</p:attrName>
-                                        </p:attrNameLst>
-                                      </p:cBhvr>
-                                      <p:to>
-                                        <p:strVal val="visible"/>
-                                      </p:to>
-                                    </p:set>
-                                    <p:animEffect transition="in" filter="fade">
-                                      <p:cBhvr>
-                                        <p:cTn id="12" dur="500"/>
-                                        <p:tgtEl>
-                                          <p:spTgt spid="5">
-                                            <p:txEl>
-                                              <p:pRg st="1" end="1"/>
-                                            </p:txEl>
-                                          </p:spTgt>
-                                        </p:tgtEl>
-                                      </p:cBhvr>
-                                    </p:animEffect>
-                                  </p:childTnLst>
-                                </p:cTn>
-                              </p:par>
-                            </p:childTnLst>
-                          </p:cTn>
-                        </p:par>
-                      </p:childTnLst>
-                    </p:cTn>
-                  </p:par>
-                  <p:par>
-                    <p:cTn id="13" fill="hold">
-                      <p:stCondLst>
-                        <p:cond delay="indefinite"/>
-                      </p:stCondLst>
-                      <p:childTnLst>
-                        <p:par>
-                          <p:cTn id="14" fill="hold">
-                            <p:stCondLst>
-                              <p:cond delay="0"/>
-                            </p:stCondLst>
-                            <p:childTnLst>
-                              <p:par>
-                                <p:cTn id="15" presetID="10" presetClass="entr" presetSubtype="0" fill="hold" grpId="0" nodeType="clickEffect">
-                                  <p:stCondLst>
-                                    <p:cond delay="0"/>
-                                  </p:stCondLst>
-                                  <p:childTnLst>
-                                    <p:set>
-                                      <p:cBhvr>
-                                        <p:cTn id="16" dur="1" fill="hold">
-                                          <p:stCondLst>
-                                            <p:cond delay="0"/>
-                                          </p:stCondLst>
-                                        </p:cTn>
-                                        <p:tgtEl>
-                                          <p:spTgt spid="5">
-                                            <p:txEl>
-                                              <p:pRg st="2" end="2"/>
-                                            </p:txEl>
-                                          </p:spTgt>
-                                        </p:tgtEl>
-                                        <p:attrNameLst>
-                                          <p:attrName>style.visibility</p:attrName>
-                                        </p:attrNameLst>
-                                      </p:cBhvr>
-                                      <p:to>
-                                        <p:strVal val="visible"/>
-                                      </p:to>
-                                    </p:set>
-                                    <p:animEffect transition="in" filter="fade">
-                                      <p:cBhvr>
-                                        <p:cTn id="17" dur="500"/>
-                                        <p:tgtEl>
-                                          <p:spTgt spid="5">
-                                            <p:txEl>
-                                              <p:pRg st="2" end="2"/>
-                                            </p:txEl>
-                                          </p:spTgt>
-                                        </p:tgtEl>
-                                      </p:cBhvr>
-                                    </p:animEffect>
-                                  </p:childTnLst>
-                                </p:cTn>
-                              </p:par>
-                            </p:childTnLst>
-                          </p:cTn>
-                        </p:par>
-                      </p:childTnLst>
-                    </p:cTn>
-                  </p:par>
-                  <p:par>
-                    <p:cTn id="18" fill="hold">
-                      <p:stCondLst>
-                        <p:cond delay="indefinite"/>
-                      </p:stCondLst>
-                      <p:childTnLst>
-                        <p:par>
-                          <p:cTn id="19" fill="hold">
-                            <p:stCondLst>
-                              <p:cond delay="0"/>
-                            </p:stCondLst>
-                            <p:childTnLst>
-                              <p:par>
-                                <p:cTn id="20" presetID="10" presetClass="entr" presetSubtype="0" fill="hold" grpId="0" nodeType="clickEffect">
-                                  <p:stCondLst>
-                                    <p:cond delay="0"/>
-                                  </p:stCondLst>
-                                  <p:childTnLst>
-                                    <p:set>
-                                      <p:cBhvr>
-                                        <p:cTn id="21" dur="1" fill="hold">
-                                          <p:stCondLst>
-                                            <p:cond delay="0"/>
-                                          </p:stCondLst>
-                                        </p:cTn>
-                                        <p:tgtEl>
-                                          <p:spTgt spid="5">
-                                            <p:txEl>
-                                              <p:pRg st="3" end="3"/>
-                                            </p:txEl>
-                                          </p:spTgt>
-                                        </p:tgtEl>
-                                        <p:attrNameLst>
-                                          <p:attrName>style.visibility</p:attrName>
-                                        </p:attrNameLst>
-                                      </p:cBhvr>
-                                      <p:to>
-                                        <p:strVal val="visible"/>
-                                      </p:to>
-                                    </p:set>
-                                    <p:animEffect transition="in" filter="fade">
-                                      <p:cBhvr>
-                                        <p:cTn id="22" dur="500"/>
-                                        <p:tgtEl>
-                                          <p:spTgt spid="5">
-                                            <p:txEl>
-                                              <p:pRg st="3" end="3"/>
-                                            </p:txEl>
-                                          </p:spTgt>
-                                        </p:tgtEl>
-                                      </p:cBhvr>
-                                    </p:animEffect>
-                                  </p:childTnLst>
-                                </p:cTn>
-                              </p:par>
-                            </p:childTnLst>
-                          </p:cTn>
-                        </p:par>
-                      </p:childTnLst>
-                    </p:cTn>
-                  </p:par>
-                </p:childTnLst>
-              </p:cTn>
-              <p:prevCondLst>
-                <p:cond evt="onPrev" delay="0">
-                  <p:tgtEl>
-                    <p:sldTgt/>
-                  </p:tgtEl>
-                </p:cond>
-              </p:prevCondLst>
-              <p:nextCondLst>
-                <p:cond evt="onNext" delay="0">
-                  <p:tgtEl>
-                    <p:sldTgt/>
-                  </p:tgtEl>
-                </p:cond>
-              </p:nextCondLst>
-            </p:seq>
-          </p:childTnLst>
-        </p:cTn>
-      </p:par>
-    </p:tnLst>
-    <p:bldLst>
-      <p:bldP spid="5" grpId="0" build="p"/>
-    </p:bldLst>
-  </p:timing>
+</p:sld>
+</file>
+
+<file path=ppt/slides/slide3.xml><?xml version="1.0" encoding="utf-8"?>
+<p:sld xmlns:a="http://schemas.openxmlformats.org/drawingml/2006/main" xmlns:r="http://schemas.openxmlformats.org/officeDocument/2006/relationships" xmlns:p="http://schemas.openxmlformats.org/presentationml/2006/main">
+  <p:cSld>
+    <p:spTree>
+      <p:nvGrpSpPr>
+        <p:cNvPr id="1" name=""/>
+        <p:cNvGrpSpPr/>
+        <p:nvPr/>
+      </p:nvGrpSpPr>
+      <p:grpSpPr>
+        <a:xfrm>
+          <a:off x="0" y="0"/>
+          <a:ext cx="0" cy="0"/>
+          <a:chOff x="0" y="0"/>
+          <a:chExt cx="0" cy="0"/>
+        </a:xfrm>
+      </p:grpSpPr>
+      <p:sp>
+        <p:nvSpPr>
+          <p:cNvPr id="2" name="Title 1">
+            <a:extLst>
+              <a:ext uri="{FF2B5EF4-FFF2-40B4-BE49-F238E27FC236}">
+                <a16:creationId xmlns:a16="http://schemas.microsoft.com/office/drawing/2014/main" id="{310D1CC1-0588-D5C9-14AF-751A916C21AC}"/>
+              </a:ext>
+            </a:extLst>
+          </p:cNvPr>
+          <p:cNvSpPr>
+            <a:spLocks noGrp="1"/>
+          </p:cNvSpPr>
+          <p:nvPr>
+            <p:ph type="title"/>
+          </p:nvPr>
+        </p:nvSpPr>
+        <p:spPr/>
+        <p:txBody>
+          <a:bodyPr/>
+          <a:lstStyle/>
+          <a:p>
+            <a:r>
+              <a:rPr lang="en-US" dirty="0"/>
+              <a:t>Task</a:t>
+            </a:r>
+          </a:p>
+        </p:txBody>
+      </p:sp>
+      <p:sp>
+        <p:nvSpPr>
+          <p:cNvPr id="3" name="Text Placeholder 2">
+            <a:extLst>
+              <a:ext uri="{FF2B5EF4-FFF2-40B4-BE49-F238E27FC236}">
+                <a16:creationId xmlns:a16="http://schemas.microsoft.com/office/drawing/2014/main" id="{15FC8F90-F706-EA23-357B-27B9A62F47F4}"/>
+              </a:ext>
+            </a:extLst>
+          </p:cNvPr>
+          <p:cNvSpPr>
+            <a:spLocks noGrp="1"/>
+          </p:cNvSpPr>
+          <p:nvPr>
+            <p:ph type="body" sz="quarter" idx="10"/>
+          </p:nvPr>
+        </p:nvSpPr>
+        <p:spPr/>
+        <p:txBody>
+          <a:bodyPr/>
+          <a:lstStyle/>
+          <a:p>
+            <a:r>
+              <a:rPr lang="en-US" dirty="0"/>
+              <a:t>The Pod named ‘</a:t>
+            </a:r>
+            <a:r>
+              <a:rPr lang="en-US" dirty="0" err="1"/>
+              <a:t>myfailingpod</a:t>
+            </a:r>
+            <a:r>
+              <a:rPr lang="en-US" dirty="0"/>
+              <a:t>’ is failing.  Identify the issue and </a:t>
+            </a:r>
+            <a:r>
+              <a:rPr lang="en-US"/>
+              <a:t>solve it</a:t>
+            </a:r>
+            <a:endParaRPr lang="en-US" dirty="0"/>
+          </a:p>
+        </p:txBody>
+      </p:sp>
+    </p:spTree>
+    <p:extLst>
+      <p:ext uri="{BB962C8B-B14F-4D97-AF65-F5344CB8AC3E}">
+        <p14:creationId xmlns:p14="http://schemas.microsoft.com/office/powerpoint/2010/main" val="992699982"/>
+      </p:ext>
+    </p:extLst>
+  </p:cSld>
+  <p:clrMapOvr>
+    <a:masterClrMapping/>
+  </p:clrMapOvr>
 </p:sld>
 </file>
 

--- a/chapter-03/03-monitor/03_03_monitor.pptx
+++ b/chapter-03/03-monitor/03_03_monitor.pptx
@@ -259,7 +259,7 @@
           <a:p>
             <a:fld id="{7C2A2C10-8C9F-9B42-9862-A5B84F1CAB8B}" type="datetimeFigureOut">
               <a:rPr lang="en-US" smtClean="0"/>
-              <a:t>4/15/2023</a:t>
+              <a:t>4/16/2023</a:t>
             </a:fld>
             <a:endParaRPr lang="en-US"/>
           </a:p>
@@ -15438,6 +15438,344 @@
   <p:clrMapOvr>
     <a:masterClrMapping/>
   </p:clrMapOvr>
+  <p:timing>
+    <p:tnLst>
+      <p:par>
+        <p:cTn id="1" dur="indefinite" restart="never" nodeType="tmRoot">
+          <p:childTnLst>
+            <p:seq concurrent="1" nextAc="seek">
+              <p:cTn id="2" dur="indefinite" nodeType="mainSeq">
+                <p:childTnLst>
+                  <p:par>
+                    <p:cTn id="3" fill="hold">
+                      <p:stCondLst>
+                        <p:cond delay="indefinite"/>
+                      </p:stCondLst>
+                      <p:childTnLst>
+                        <p:par>
+                          <p:cTn id="4" fill="hold">
+                            <p:stCondLst>
+                              <p:cond delay="0"/>
+                            </p:stCondLst>
+                            <p:childTnLst>
+                              <p:par>
+                                <p:cTn id="5" presetID="10" presetClass="entr" presetSubtype="0" fill="hold" grpId="0" nodeType="clickEffect">
+                                  <p:stCondLst>
+                                    <p:cond delay="0"/>
+                                  </p:stCondLst>
+                                  <p:childTnLst>
+                                    <p:set>
+                                      <p:cBhvr>
+                                        <p:cTn id="6" dur="1" fill="hold">
+                                          <p:stCondLst>
+                                            <p:cond delay="0"/>
+                                          </p:stCondLst>
+                                        </p:cTn>
+                                        <p:tgtEl>
+                                          <p:spTgt spid="5">
+                                            <p:txEl>
+                                              <p:pRg st="0" end="0"/>
+                                            </p:txEl>
+                                          </p:spTgt>
+                                        </p:tgtEl>
+                                        <p:attrNameLst>
+                                          <p:attrName>style.visibility</p:attrName>
+                                        </p:attrNameLst>
+                                      </p:cBhvr>
+                                      <p:to>
+                                        <p:strVal val="visible"/>
+                                      </p:to>
+                                    </p:set>
+                                    <p:animEffect transition="in" filter="fade">
+                                      <p:cBhvr>
+                                        <p:cTn id="7" dur="500"/>
+                                        <p:tgtEl>
+                                          <p:spTgt spid="5">
+                                            <p:txEl>
+                                              <p:pRg st="0" end="0"/>
+                                            </p:txEl>
+                                          </p:spTgt>
+                                        </p:tgtEl>
+                                      </p:cBhvr>
+                                    </p:animEffect>
+                                  </p:childTnLst>
+                                </p:cTn>
+                              </p:par>
+                            </p:childTnLst>
+                          </p:cTn>
+                        </p:par>
+                      </p:childTnLst>
+                    </p:cTn>
+                  </p:par>
+                  <p:par>
+                    <p:cTn id="8" fill="hold">
+                      <p:stCondLst>
+                        <p:cond delay="indefinite"/>
+                      </p:stCondLst>
+                      <p:childTnLst>
+                        <p:par>
+                          <p:cTn id="9" fill="hold">
+                            <p:stCondLst>
+                              <p:cond delay="0"/>
+                            </p:stCondLst>
+                            <p:childTnLst>
+                              <p:par>
+                                <p:cTn id="10" presetID="10" presetClass="entr" presetSubtype="0" fill="hold" grpId="0" nodeType="clickEffect">
+                                  <p:stCondLst>
+                                    <p:cond delay="0"/>
+                                  </p:stCondLst>
+                                  <p:childTnLst>
+                                    <p:set>
+                                      <p:cBhvr>
+                                        <p:cTn id="11" dur="1" fill="hold">
+                                          <p:stCondLst>
+                                            <p:cond delay="0"/>
+                                          </p:stCondLst>
+                                        </p:cTn>
+                                        <p:tgtEl>
+                                          <p:spTgt spid="5">
+                                            <p:txEl>
+                                              <p:pRg st="1" end="1"/>
+                                            </p:txEl>
+                                          </p:spTgt>
+                                        </p:tgtEl>
+                                        <p:attrNameLst>
+                                          <p:attrName>style.visibility</p:attrName>
+                                        </p:attrNameLst>
+                                      </p:cBhvr>
+                                      <p:to>
+                                        <p:strVal val="visible"/>
+                                      </p:to>
+                                    </p:set>
+                                    <p:animEffect transition="in" filter="fade">
+                                      <p:cBhvr>
+                                        <p:cTn id="12" dur="500"/>
+                                        <p:tgtEl>
+                                          <p:spTgt spid="5">
+                                            <p:txEl>
+                                              <p:pRg st="1" end="1"/>
+                                            </p:txEl>
+                                          </p:spTgt>
+                                        </p:tgtEl>
+                                      </p:cBhvr>
+                                    </p:animEffect>
+                                  </p:childTnLst>
+                                </p:cTn>
+                              </p:par>
+                            </p:childTnLst>
+                          </p:cTn>
+                        </p:par>
+                      </p:childTnLst>
+                    </p:cTn>
+                  </p:par>
+                  <p:par>
+                    <p:cTn id="13" fill="hold">
+                      <p:stCondLst>
+                        <p:cond delay="indefinite"/>
+                      </p:stCondLst>
+                      <p:childTnLst>
+                        <p:par>
+                          <p:cTn id="14" fill="hold">
+                            <p:stCondLst>
+                              <p:cond delay="0"/>
+                            </p:stCondLst>
+                            <p:childTnLst>
+                              <p:par>
+                                <p:cTn id="15" presetID="10" presetClass="entr" presetSubtype="0" fill="hold" grpId="0" nodeType="clickEffect">
+                                  <p:stCondLst>
+                                    <p:cond delay="0"/>
+                                  </p:stCondLst>
+                                  <p:childTnLst>
+                                    <p:set>
+                                      <p:cBhvr>
+                                        <p:cTn id="16" dur="1" fill="hold">
+                                          <p:stCondLst>
+                                            <p:cond delay="0"/>
+                                          </p:stCondLst>
+                                        </p:cTn>
+                                        <p:tgtEl>
+                                          <p:spTgt spid="5">
+                                            <p:txEl>
+                                              <p:pRg st="2" end="2"/>
+                                            </p:txEl>
+                                          </p:spTgt>
+                                        </p:tgtEl>
+                                        <p:attrNameLst>
+                                          <p:attrName>style.visibility</p:attrName>
+                                        </p:attrNameLst>
+                                      </p:cBhvr>
+                                      <p:to>
+                                        <p:strVal val="visible"/>
+                                      </p:to>
+                                    </p:set>
+                                    <p:animEffect transition="in" filter="fade">
+                                      <p:cBhvr>
+                                        <p:cTn id="17" dur="500"/>
+                                        <p:tgtEl>
+                                          <p:spTgt spid="5">
+                                            <p:txEl>
+                                              <p:pRg st="2" end="2"/>
+                                            </p:txEl>
+                                          </p:spTgt>
+                                        </p:tgtEl>
+                                      </p:cBhvr>
+                                    </p:animEffect>
+                                  </p:childTnLst>
+                                </p:cTn>
+                              </p:par>
+                            </p:childTnLst>
+                          </p:cTn>
+                        </p:par>
+                      </p:childTnLst>
+                    </p:cTn>
+                  </p:par>
+                  <p:par>
+                    <p:cTn id="18" fill="hold">
+                      <p:stCondLst>
+                        <p:cond delay="indefinite"/>
+                      </p:stCondLst>
+                      <p:childTnLst>
+                        <p:par>
+                          <p:cTn id="19" fill="hold">
+                            <p:stCondLst>
+                              <p:cond delay="0"/>
+                            </p:stCondLst>
+                            <p:childTnLst>
+                              <p:par>
+                                <p:cTn id="20" presetID="10" presetClass="entr" presetSubtype="0" fill="hold" grpId="0" nodeType="clickEffect">
+                                  <p:stCondLst>
+                                    <p:cond delay="0"/>
+                                  </p:stCondLst>
+                                  <p:childTnLst>
+                                    <p:set>
+                                      <p:cBhvr>
+                                        <p:cTn id="21" dur="1" fill="hold">
+                                          <p:stCondLst>
+                                            <p:cond delay="0"/>
+                                          </p:stCondLst>
+                                        </p:cTn>
+                                        <p:tgtEl>
+                                          <p:spTgt spid="5">
+                                            <p:txEl>
+                                              <p:pRg st="3" end="3"/>
+                                            </p:txEl>
+                                          </p:spTgt>
+                                        </p:tgtEl>
+                                        <p:attrNameLst>
+                                          <p:attrName>style.visibility</p:attrName>
+                                        </p:attrNameLst>
+                                      </p:cBhvr>
+                                      <p:to>
+                                        <p:strVal val="visible"/>
+                                      </p:to>
+                                    </p:set>
+                                    <p:animEffect transition="in" filter="fade">
+                                      <p:cBhvr>
+                                        <p:cTn id="22" dur="500"/>
+                                        <p:tgtEl>
+                                          <p:spTgt spid="5">
+                                            <p:txEl>
+                                              <p:pRg st="3" end="3"/>
+                                            </p:txEl>
+                                          </p:spTgt>
+                                        </p:tgtEl>
+                                      </p:cBhvr>
+                                    </p:animEffect>
+                                  </p:childTnLst>
+                                </p:cTn>
+                              </p:par>
+                            </p:childTnLst>
+                          </p:cTn>
+                        </p:par>
+                      </p:childTnLst>
+                    </p:cTn>
+                  </p:par>
+                  <p:par>
+                    <p:cTn id="23" fill="hold">
+                      <p:stCondLst>
+                        <p:cond delay="indefinite"/>
+                      </p:stCondLst>
+                      <p:childTnLst>
+                        <p:par>
+                          <p:cTn id="24" fill="hold">
+                            <p:stCondLst>
+                              <p:cond delay="0"/>
+                            </p:stCondLst>
+                            <p:childTnLst>
+                              <p:par>
+                                <p:cTn id="25" presetID="10" presetClass="entr" presetSubtype="0" fill="hold" grpId="0" nodeType="clickEffect">
+                                  <p:stCondLst>
+                                    <p:cond delay="0"/>
+                                  </p:stCondLst>
+                                  <p:childTnLst>
+                                    <p:set>
+                                      <p:cBhvr>
+                                        <p:cTn id="26" dur="1" fill="hold">
+                                          <p:stCondLst>
+                                            <p:cond delay="0"/>
+                                          </p:stCondLst>
+                                        </p:cTn>
+                                        <p:tgtEl>
+                                          <p:spTgt spid="5">
+                                            <p:txEl>
+                                              <p:pRg st="4" end="4"/>
+                                            </p:txEl>
+                                          </p:spTgt>
+                                        </p:tgtEl>
+                                        <p:attrNameLst>
+                                          <p:attrName>style.visibility</p:attrName>
+                                        </p:attrNameLst>
+                                      </p:cBhvr>
+                                      <p:to>
+                                        <p:strVal val="visible"/>
+                                      </p:to>
+                                    </p:set>
+                                    <p:animEffect transition="in" filter="fade">
+                                      <p:cBhvr>
+                                        <p:cTn id="27" dur="500"/>
+                                        <p:tgtEl>
+                                          <p:spTgt spid="5">
+                                            <p:txEl>
+                                              <p:pRg st="4" end="4"/>
+                                            </p:txEl>
+                                          </p:spTgt>
+                                        </p:tgtEl>
+                                      </p:cBhvr>
+                                    </p:animEffect>
+                                  </p:childTnLst>
+                                </p:cTn>
+                              </p:par>
+                            </p:childTnLst>
+                          </p:cTn>
+                        </p:par>
+                      </p:childTnLst>
+                    </p:cTn>
+                  </p:par>
+                </p:childTnLst>
+              </p:cTn>
+              <p:prevCondLst>
+                <p:cond evt="onPrev" delay="0">
+                  <p:tgtEl>
+                    <p:sldTgt/>
+                  </p:tgtEl>
+                </p:cond>
+              </p:prevCondLst>
+              <p:nextCondLst>
+                <p:cond evt="onNext" delay="0">
+                  <p:tgtEl>
+                    <p:sldTgt/>
+                  </p:tgtEl>
+                </p:cond>
+              </p:nextCondLst>
+            </p:seq>
+          </p:childTnLst>
+        </p:cTn>
+      </p:par>
+    </p:tnLst>
+    <p:bldLst>
+      <p:bldP spid="5" grpId="0" build="p"/>
+    </p:bldLst>
+  </p:timing>
 </p:sld>
 </file>
 
